--- a/03e Aggregation unwind.pptx
+++ b/03e Aggregation unwind.pptx
@@ -3940,76 +3940,7 @@
             <a:pPr marL="114300" indent="0">
               <a:buNone/>
             </a:pPr>
-            <a:r>
-              <a:rPr lang="en-US" dirty="0"/>
-              <a:t>{$</a:t>
-            </a:r>
-            <a:r>
-              <a:rPr lang="en-US" dirty="0">
-                <a:solidFill>
-                  <a:srgbClr val="FFC000"/>
-                </a:solidFill>
-              </a:rPr>
-              <a:t>project</a:t>
-            </a:r>
-            <a:r>
-              <a:rPr lang="en-US" dirty="0"/>
-              <a:t>:{</a:t>
-            </a:r>
-            <a:r>
-              <a:rPr lang="en-US" dirty="0" err="1">
-                <a:solidFill>
-                  <a:srgbClr val="92D050"/>
-                </a:solidFill>
-              </a:rPr>
-              <a:t>newField</a:t>
-            </a:r>
-            <a:r>
-              <a:rPr lang="en-US" dirty="0">
-                <a:solidFill>
-                  <a:srgbClr val="92D050"/>
-                </a:solidFill>
-              </a:rPr>
-              <a:t>:”$</a:t>
-            </a:r>
-            <a:r>
-              <a:rPr lang="en-US" dirty="0" err="1">
-                <a:solidFill>
-                  <a:srgbClr val="92D050"/>
-                </a:solidFill>
-              </a:rPr>
-              <a:t>oldField</a:t>
-            </a:r>
-            <a:r>
-              <a:rPr lang="en-US" dirty="0">
-                <a:solidFill>
-                  <a:srgbClr val="92D050"/>
-                </a:solidFill>
-              </a:rPr>
-              <a:t>”</a:t>
-            </a:r>
-          </a:p>
-          <a:p>
-            <a:pPr marL="114300" indent="0">
-              <a:buNone/>
-            </a:pPr>
-            <a:r>
-              <a:rPr lang="en-US" dirty="0">
-                <a:solidFill>
-                  <a:srgbClr val="92D050"/>
-                </a:solidFill>
-              </a:rPr>
-              <a:t>	   … </a:t>
-            </a:r>
-          </a:p>
-          <a:p>
-            <a:pPr marL="114300" indent="0">
-              <a:buNone/>
-            </a:pPr>
-            <a:r>
-              <a:rPr lang="en-US" dirty="0"/>
-              <a:t>}} </a:t>
-            </a:r>
+            <a:endParaRPr lang="en-US" dirty="0"/>
           </a:p>
         </p:txBody>
       </p:sp>
@@ -4070,10 +4001,10 @@
       </p:sp>
       <p:pic>
         <p:nvPicPr>
-          <p:cNvPr id="3" name="Picture 2">
+          <p:cNvPr id="4" name="Picture 3">
             <a:extLst>
               <a:ext uri="{FF2B5EF4-FFF2-40B4-BE49-F238E27FC236}">
-                <a16:creationId xmlns:a16="http://schemas.microsoft.com/office/drawing/2014/main" id="{D2377553-31C8-0949-A158-4E5473CBCE76}"/>
+                <a16:creationId xmlns:a16="http://schemas.microsoft.com/office/drawing/2014/main" id="{386ED580-6894-FB46-9E42-44C32F41D6CB}"/>
               </a:ext>
             </a:extLst>
           </p:cNvPr>
@@ -4090,7 +4021,7 @@
         </p:blipFill>
         <p:spPr>
           <a:xfrm>
-            <a:off x="0" y="288043"/>
+            <a:off x="0" y="576086"/>
             <a:ext cx="9144000" cy="4567414"/>
           </a:xfrm>
           <a:prstGeom prst="rect">
@@ -4155,10 +4086,10 @@
       </p:sp>
       <p:pic>
         <p:nvPicPr>
-          <p:cNvPr id="3" name="Picture 2">
+          <p:cNvPr id="4" name="Picture 3">
             <a:extLst>
               <a:ext uri="{FF2B5EF4-FFF2-40B4-BE49-F238E27FC236}">
-                <a16:creationId xmlns:a16="http://schemas.microsoft.com/office/drawing/2014/main" id="{D8EEF1AC-A912-0A4C-B8C9-2B975859A2BC}"/>
+                <a16:creationId xmlns:a16="http://schemas.microsoft.com/office/drawing/2014/main" id="{7D8C2A44-47EA-3E42-B2CB-F9101656479A}"/>
               </a:ext>
             </a:extLst>
           </p:cNvPr>
@@ -4175,7 +4106,7 @@
         </p:blipFill>
         <p:spPr>
           <a:xfrm>
-            <a:off x="0" y="288043"/>
+            <a:off x="0" y="576086"/>
             <a:ext cx="9144000" cy="4567414"/>
           </a:xfrm>
           <a:prstGeom prst="rect">
@@ -4240,10 +4171,10 @@
       </p:sp>
       <p:pic>
         <p:nvPicPr>
-          <p:cNvPr id="3" name="Picture 2">
+          <p:cNvPr id="5" name="Picture 4">
             <a:extLst>
               <a:ext uri="{FF2B5EF4-FFF2-40B4-BE49-F238E27FC236}">
-                <a16:creationId xmlns:a16="http://schemas.microsoft.com/office/drawing/2014/main" id="{24EA9C87-4178-6049-A075-029F2403949F}"/>
+                <a16:creationId xmlns:a16="http://schemas.microsoft.com/office/drawing/2014/main" id="{1118E395-0E8A-CD4C-9547-5B3BA7B6940C}"/>
               </a:ext>
             </a:extLst>
           </p:cNvPr>
@@ -4260,7 +4191,7 @@
         </p:blipFill>
         <p:spPr>
           <a:xfrm>
-            <a:off x="0" y="288043"/>
+            <a:off x="0" y="576086"/>
             <a:ext cx="9144000" cy="4567414"/>
           </a:xfrm>
           <a:prstGeom prst="rect">
@@ -4323,6 +4254,335 @@
           </a:p>
         </p:txBody>
       </p:sp>
+      <p:sp>
+        <p:nvSpPr>
+          <p:cNvPr id="3" name="Rectangle 2">
+            <a:extLst>
+              <a:ext uri="{FF2B5EF4-FFF2-40B4-BE49-F238E27FC236}">
+                <a16:creationId xmlns:a16="http://schemas.microsoft.com/office/drawing/2014/main" id="{644FCF0D-5ABA-1343-838C-9339F04B92DE}"/>
+              </a:ext>
+            </a:extLst>
+          </p:cNvPr>
+          <p:cNvSpPr/>
+          <p:nvPr/>
+        </p:nvSpPr>
+        <p:spPr>
+          <a:xfrm>
+            <a:off x="2286000" y="1879253"/>
+            <a:ext cx="4572000" cy="1384995"/>
+          </a:xfrm>
+          <a:prstGeom prst="rect">
+            <a:avLst/>
+          </a:prstGeom>
+        </p:spPr>
+        <p:txBody>
+          <a:bodyPr>
+            <a:spAutoFit/>
+          </a:bodyPr>
+          <a:lstStyle/>
+          <a:p>
+            <a:r>
+              <a:rPr lang="en-AU" dirty="0" err="1">
+                <a:solidFill>
+                  <a:srgbClr val="9CDCFE"/>
+                </a:solidFill>
+                <a:latin typeface="Menlo" panose="020B0609030804020204" pitchFamily="49" charset="0"/>
+              </a:rPr>
+              <a:t>db</a:t>
+            </a:r>
+            <a:r>
+              <a:rPr lang="en-AU" dirty="0" err="1">
+                <a:solidFill>
+                  <a:srgbClr val="D4D4D4"/>
+                </a:solidFill>
+                <a:latin typeface="Menlo" panose="020B0609030804020204" pitchFamily="49" charset="0"/>
+              </a:rPr>
+              <a:t>.</a:t>
+            </a:r>
+            <a:r>
+              <a:rPr lang="en-AU" dirty="0" err="1">
+                <a:solidFill>
+                  <a:srgbClr val="9CDCFE"/>
+                </a:solidFill>
+                <a:latin typeface="Menlo" panose="020B0609030804020204" pitchFamily="49" charset="0"/>
+              </a:rPr>
+              <a:t>movies</a:t>
+            </a:r>
+            <a:r>
+              <a:rPr lang="en-AU" dirty="0" err="1">
+                <a:solidFill>
+                  <a:srgbClr val="D4D4D4"/>
+                </a:solidFill>
+                <a:latin typeface="Menlo" panose="020B0609030804020204" pitchFamily="49" charset="0"/>
+              </a:rPr>
+              <a:t>.</a:t>
+            </a:r>
+            <a:r>
+              <a:rPr lang="en-AU" dirty="0" err="1">
+                <a:solidFill>
+                  <a:srgbClr val="DCDCAA"/>
+                </a:solidFill>
+                <a:latin typeface="Menlo" panose="020B0609030804020204" pitchFamily="49" charset="0"/>
+              </a:rPr>
+              <a:t>aggregate</a:t>
+            </a:r>
+            <a:r>
+              <a:rPr lang="en-AU" dirty="0">
+                <a:solidFill>
+                  <a:srgbClr val="D4D4D4"/>
+                </a:solidFill>
+                <a:latin typeface="Menlo" panose="020B0609030804020204" pitchFamily="49" charset="0"/>
+              </a:rPr>
+              <a:t>([</a:t>
+            </a:r>
+          </a:p>
+          <a:p>
+            <a:r>
+              <a:rPr lang="en-AU" dirty="0">
+                <a:solidFill>
+                  <a:srgbClr val="D4D4D4"/>
+                </a:solidFill>
+                <a:latin typeface="Menlo" panose="020B0609030804020204" pitchFamily="49" charset="0"/>
+              </a:rPr>
+              <a:t>{</a:t>
+            </a:r>
+            <a:r>
+              <a:rPr lang="en-AU" dirty="0">
+                <a:solidFill>
+                  <a:srgbClr val="9CDCFE"/>
+                </a:solidFill>
+                <a:latin typeface="Menlo" panose="020B0609030804020204" pitchFamily="49" charset="0"/>
+              </a:rPr>
+              <a:t>$project:</a:t>
+            </a:r>
+            <a:r>
+              <a:rPr lang="en-AU" dirty="0">
+                <a:solidFill>
+                  <a:srgbClr val="D4D4D4"/>
+                </a:solidFill>
+                <a:latin typeface="Menlo" panose="020B0609030804020204" pitchFamily="49" charset="0"/>
+              </a:rPr>
+              <a:t>{</a:t>
+            </a:r>
+            <a:r>
+              <a:rPr lang="en-AU" dirty="0">
+                <a:solidFill>
+                  <a:srgbClr val="9CDCFE"/>
+                </a:solidFill>
+                <a:latin typeface="Menlo" panose="020B0609030804020204" pitchFamily="49" charset="0"/>
+              </a:rPr>
+              <a:t>cast:</a:t>
+            </a:r>
+            <a:r>
+              <a:rPr lang="en-AU" dirty="0">
+                <a:solidFill>
+                  <a:srgbClr val="B5CEA8"/>
+                </a:solidFill>
+                <a:latin typeface="Menlo" panose="020B0609030804020204" pitchFamily="49" charset="0"/>
+              </a:rPr>
+              <a:t>1</a:t>
+            </a:r>
+            <a:r>
+              <a:rPr lang="en-AU" dirty="0">
+                <a:solidFill>
+                  <a:srgbClr val="D4D4D4"/>
+                </a:solidFill>
+                <a:latin typeface="Menlo" panose="020B0609030804020204" pitchFamily="49" charset="0"/>
+              </a:rPr>
+              <a:t>}},</a:t>
+            </a:r>
+          </a:p>
+          <a:p>
+            <a:r>
+              <a:rPr lang="en-AU" dirty="0">
+                <a:solidFill>
+                  <a:srgbClr val="D4D4D4"/>
+                </a:solidFill>
+                <a:latin typeface="Menlo" panose="020B0609030804020204" pitchFamily="49" charset="0"/>
+              </a:rPr>
+              <a:t>{</a:t>
+            </a:r>
+            <a:r>
+              <a:rPr lang="en-AU" dirty="0">
+                <a:solidFill>
+                  <a:srgbClr val="9CDCFE"/>
+                </a:solidFill>
+                <a:latin typeface="Menlo" panose="020B0609030804020204" pitchFamily="49" charset="0"/>
+              </a:rPr>
+              <a:t>$unwind:</a:t>
+            </a:r>
+            <a:r>
+              <a:rPr lang="en-AU" dirty="0">
+                <a:solidFill>
+                  <a:srgbClr val="CE9178"/>
+                </a:solidFill>
+                <a:latin typeface="Menlo" panose="020B0609030804020204" pitchFamily="49" charset="0"/>
+              </a:rPr>
+              <a:t>"$cast"</a:t>
+            </a:r>
+            <a:r>
+              <a:rPr lang="en-AU" dirty="0">
+                <a:solidFill>
+                  <a:srgbClr val="D4D4D4"/>
+                </a:solidFill>
+                <a:latin typeface="Menlo" panose="020B0609030804020204" pitchFamily="49" charset="0"/>
+              </a:rPr>
+              <a:t>},</a:t>
+            </a:r>
+          </a:p>
+          <a:p>
+            <a:r>
+              <a:rPr lang="en-AU" dirty="0">
+                <a:solidFill>
+                  <a:srgbClr val="D4D4D4"/>
+                </a:solidFill>
+                <a:latin typeface="Menlo" panose="020B0609030804020204" pitchFamily="49" charset="0"/>
+              </a:rPr>
+              <a:t>{</a:t>
+            </a:r>
+            <a:r>
+              <a:rPr lang="en-AU" dirty="0">
+                <a:solidFill>
+                  <a:srgbClr val="9CDCFE"/>
+                </a:solidFill>
+                <a:latin typeface="Menlo" panose="020B0609030804020204" pitchFamily="49" charset="0"/>
+              </a:rPr>
+              <a:t>$group:</a:t>
+            </a:r>
+            <a:r>
+              <a:rPr lang="en-AU" dirty="0">
+                <a:solidFill>
+                  <a:srgbClr val="D4D4D4"/>
+                </a:solidFill>
+                <a:latin typeface="Menlo" panose="020B0609030804020204" pitchFamily="49" charset="0"/>
+              </a:rPr>
+              <a:t> {</a:t>
+            </a:r>
+            <a:r>
+              <a:rPr lang="en-AU" dirty="0">
+                <a:solidFill>
+                  <a:srgbClr val="9CDCFE"/>
+                </a:solidFill>
+                <a:latin typeface="Menlo" panose="020B0609030804020204" pitchFamily="49" charset="0"/>
+              </a:rPr>
+              <a:t>_id:</a:t>
+            </a:r>
+            <a:r>
+              <a:rPr lang="en-AU" dirty="0">
+                <a:solidFill>
+                  <a:srgbClr val="CE9178"/>
+                </a:solidFill>
+                <a:latin typeface="Menlo" panose="020B0609030804020204" pitchFamily="49" charset="0"/>
+              </a:rPr>
+              <a:t>"$cast"</a:t>
+            </a:r>
+            <a:r>
+              <a:rPr lang="en-AU" dirty="0">
+                <a:solidFill>
+                  <a:srgbClr val="D4D4D4"/>
+                </a:solidFill>
+                <a:latin typeface="Menlo" panose="020B0609030804020204" pitchFamily="49" charset="0"/>
+              </a:rPr>
+              <a:t>,</a:t>
+            </a:r>
+            <a:r>
+              <a:rPr lang="en-AU" dirty="0" err="1">
+                <a:solidFill>
+                  <a:srgbClr val="9CDCFE"/>
+                </a:solidFill>
+                <a:latin typeface="Menlo" panose="020B0609030804020204" pitchFamily="49" charset="0"/>
+              </a:rPr>
+              <a:t>movieCount</a:t>
+            </a:r>
+            <a:r>
+              <a:rPr lang="en-AU" dirty="0">
+                <a:solidFill>
+                  <a:srgbClr val="9CDCFE"/>
+                </a:solidFill>
+                <a:latin typeface="Menlo" panose="020B0609030804020204" pitchFamily="49" charset="0"/>
+              </a:rPr>
+              <a:t>:</a:t>
+            </a:r>
+            <a:r>
+              <a:rPr lang="en-AU" dirty="0">
+                <a:solidFill>
+                  <a:srgbClr val="D4D4D4"/>
+                </a:solidFill>
+                <a:latin typeface="Menlo" panose="020B0609030804020204" pitchFamily="49" charset="0"/>
+              </a:rPr>
+              <a:t>{</a:t>
+            </a:r>
+            <a:r>
+              <a:rPr lang="en-AU" dirty="0">
+                <a:solidFill>
+                  <a:srgbClr val="9CDCFE"/>
+                </a:solidFill>
+                <a:latin typeface="Menlo" panose="020B0609030804020204" pitchFamily="49" charset="0"/>
+              </a:rPr>
+              <a:t>$sum:</a:t>
+            </a:r>
+            <a:r>
+              <a:rPr lang="en-AU" dirty="0">
+                <a:solidFill>
+                  <a:srgbClr val="B5CEA8"/>
+                </a:solidFill>
+                <a:latin typeface="Menlo" panose="020B0609030804020204" pitchFamily="49" charset="0"/>
+              </a:rPr>
+              <a:t>1</a:t>
+            </a:r>
+            <a:r>
+              <a:rPr lang="en-AU" dirty="0">
+                <a:solidFill>
+                  <a:srgbClr val="D4D4D4"/>
+                </a:solidFill>
+                <a:latin typeface="Menlo" panose="020B0609030804020204" pitchFamily="49" charset="0"/>
+              </a:rPr>
+              <a:t>}}}</a:t>
+            </a:r>
+          </a:p>
+          <a:p>
+            <a:r>
+              <a:rPr lang="en-AU" dirty="0">
+                <a:solidFill>
+                  <a:srgbClr val="D4D4D4"/>
+                </a:solidFill>
+                <a:latin typeface="Menlo" panose="020B0609030804020204" pitchFamily="49" charset="0"/>
+              </a:rPr>
+              <a:t>])</a:t>
+            </a:r>
+          </a:p>
+        </p:txBody>
+      </p:sp>
+      <p:pic>
+        <p:nvPicPr>
+          <p:cNvPr id="4" name="Picture 3">
+            <a:extLst>
+              <a:ext uri="{FF2B5EF4-FFF2-40B4-BE49-F238E27FC236}">
+                <a16:creationId xmlns:a16="http://schemas.microsoft.com/office/drawing/2014/main" id="{77729F25-540C-5342-9144-59710430DD00}"/>
+              </a:ext>
+            </a:extLst>
+          </p:cNvPr>
+          <p:cNvPicPr>
+            <a:picLocks noChangeAspect="1"/>
+          </p:cNvPicPr>
+          <p:nvPr/>
+        </p:nvPicPr>
+        <p:blipFill>
+          <a:blip r:embed="rId2"/>
+          <a:stretch>
+            <a:fillRect/>
+          </a:stretch>
+        </p:blipFill>
+        <p:spPr>
+          <a:xfrm>
+            <a:off x="0" y="288043"/>
+            <a:ext cx="9144000" cy="4567414"/>
+          </a:xfrm>
+          <a:prstGeom prst="rect">
+            <a:avLst/>
+          </a:prstGeom>
+        </p:spPr>
+      </p:pic>
     </p:spTree>
     <p:extLst>
       <p:ext uri="{BB962C8B-B14F-4D97-AF65-F5344CB8AC3E}">
@@ -4378,6 +4638,36 @@
           </a:p>
         </p:txBody>
       </p:sp>
+      <p:pic>
+        <p:nvPicPr>
+          <p:cNvPr id="3" name="Picture 2">
+            <a:extLst>
+              <a:ext uri="{FF2B5EF4-FFF2-40B4-BE49-F238E27FC236}">
+                <a16:creationId xmlns:a16="http://schemas.microsoft.com/office/drawing/2014/main" id="{525EFD89-1716-284B-B6C5-28E27C7F2252}"/>
+              </a:ext>
+            </a:extLst>
+          </p:cNvPr>
+          <p:cNvPicPr>
+            <a:picLocks noChangeAspect="1"/>
+          </p:cNvPicPr>
+          <p:nvPr/>
+        </p:nvPicPr>
+        <p:blipFill>
+          <a:blip r:embed="rId2"/>
+          <a:stretch>
+            <a:fillRect/>
+          </a:stretch>
+        </p:blipFill>
+        <p:spPr>
+          <a:xfrm>
+            <a:off x="0" y="576086"/>
+            <a:ext cx="9144000" cy="4567414"/>
+          </a:xfrm>
+          <a:prstGeom prst="rect">
+            <a:avLst/>
+          </a:prstGeom>
+        </p:spPr>
+      </p:pic>
     </p:spTree>
     <p:extLst>
       <p:ext uri="{BB962C8B-B14F-4D97-AF65-F5344CB8AC3E}">

--- a/03e Aggregation unwind.pptx
+++ b/03e Aggregation unwind.pptx
@@ -5,30 +5,27 @@
     <p:sldMasterId id="2147483659" r:id="rId1"/>
   </p:sldMasterIdLst>
   <p:notesMasterIdLst>
-    <p:notesMasterId r:id="rId13"/>
+    <p:notesMasterId r:id="rId10"/>
   </p:notesMasterIdLst>
   <p:sldIdLst>
     <p:sldId id="263" r:id="rId2"/>
     <p:sldId id="304" r:id="rId3"/>
     <p:sldId id="313" r:id="rId4"/>
-    <p:sldId id="343" r:id="rId5"/>
-    <p:sldId id="341" r:id="rId6"/>
-    <p:sldId id="344" r:id="rId7"/>
-    <p:sldId id="345" r:id="rId8"/>
-    <p:sldId id="346" r:id="rId9"/>
-    <p:sldId id="347" r:id="rId10"/>
-    <p:sldId id="348" r:id="rId11"/>
-    <p:sldId id="349" r:id="rId12"/>
+    <p:sldId id="341" r:id="rId5"/>
+    <p:sldId id="344" r:id="rId6"/>
+    <p:sldId id="345" r:id="rId7"/>
+    <p:sldId id="346" r:id="rId8"/>
+    <p:sldId id="347" r:id="rId9"/>
   </p:sldIdLst>
   <p:sldSz cx="9144000" cy="5143500" type="screen16x9"/>
   <p:notesSz cx="6858000" cy="9144000"/>
   <p:embeddedFontLst>
     <p:embeddedFont>
       <p:font typeface="Roboto" panose="02000000000000000000" pitchFamily="2" charset="0"/>
-      <p:regular r:id="rId14"/>
-      <p:bold r:id="rId15"/>
-      <p:italic r:id="rId16"/>
-      <p:boldItalic r:id="rId17"/>
+      <p:regular r:id="rId11"/>
+      <p:bold r:id="rId12"/>
+      <p:italic r:id="rId13"/>
+      <p:boldItalic r:id="rId14"/>
     </p:embeddedFont>
   </p:embeddedFontLst>
   <p:defaultTextStyle>
@@ -3397,116 +3394,6 @@
 </p:sld>
 </file>
 
-<file path=ppt/slides/slide10.xml><?xml version="1.0" encoding="utf-8"?>
-<p:sld xmlns:a="http://schemas.openxmlformats.org/drawingml/2006/main" xmlns:r="http://schemas.openxmlformats.org/officeDocument/2006/relationships" xmlns:p="http://schemas.openxmlformats.org/presentationml/2006/main">
-  <p:cSld>
-    <p:spTree>
-      <p:nvGrpSpPr>
-        <p:cNvPr id="1" name=""/>
-        <p:cNvGrpSpPr/>
-        <p:nvPr/>
-      </p:nvGrpSpPr>
-      <p:grpSpPr>
-        <a:xfrm>
-          <a:off x="0" y="0"/>
-          <a:ext cx="0" cy="0"/>
-          <a:chOff x="0" y="0"/>
-          <a:chExt cx="0" cy="0"/>
-        </a:xfrm>
-      </p:grpSpPr>
-      <p:sp>
-        <p:nvSpPr>
-          <p:cNvPr id="2" name="Title 1">
-            <a:extLst>
-              <a:ext uri="{FF2B5EF4-FFF2-40B4-BE49-F238E27FC236}">
-                <a16:creationId xmlns:a16="http://schemas.microsoft.com/office/drawing/2014/main" id="{1519E8FD-72D2-2343-AA87-60B13EFE388B}"/>
-              </a:ext>
-            </a:extLst>
-          </p:cNvPr>
-          <p:cNvSpPr>
-            <a:spLocks noGrp="1"/>
-          </p:cNvSpPr>
-          <p:nvPr>
-            <p:ph type="title"/>
-          </p:nvPr>
-        </p:nvSpPr>
-        <p:spPr/>
-        <p:txBody>
-          <a:bodyPr/>
-          <a:lstStyle/>
-          <a:p>
-            <a:endParaRPr lang="en-US"/>
-          </a:p>
-        </p:txBody>
-      </p:sp>
-    </p:spTree>
-    <p:extLst>
-      <p:ext uri="{BB962C8B-B14F-4D97-AF65-F5344CB8AC3E}">
-        <p14:creationId xmlns:p14="http://schemas.microsoft.com/office/powerpoint/2010/main" val="842863416"/>
-      </p:ext>
-    </p:extLst>
-  </p:cSld>
-  <p:clrMapOvr>
-    <a:masterClrMapping/>
-  </p:clrMapOvr>
-</p:sld>
-</file>
-
-<file path=ppt/slides/slide11.xml><?xml version="1.0" encoding="utf-8"?>
-<p:sld xmlns:a="http://schemas.openxmlformats.org/drawingml/2006/main" xmlns:r="http://schemas.openxmlformats.org/officeDocument/2006/relationships" xmlns:p="http://schemas.openxmlformats.org/presentationml/2006/main">
-  <p:cSld>
-    <p:spTree>
-      <p:nvGrpSpPr>
-        <p:cNvPr id="1" name=""/>
-        <p:cNvGrpSpPr/>
-        <p:nvPr/>
-      </p:nvGrpSpPr>
-      <p:grpSpPr>
-        <a:xfrm>
-          <a:off x="0" y="0"/>
-          <a:ext cx="0" cy="0"/>
-          <a:chOff x="0" y="0"/>
-          <a:chExt cx="0" cy="0"/>
-        </a:xfrm>
-      </p:grpSpPr>
-      <p:sp>
-        <p:nvSpPr>
-          <p:cNvPr id="2" name="Title 1">
-            <a:extLst>
-              <a:ext uri="{FF2B5EF4-FFF2-40B4-BE49-F238E27FC236}">
-                <a16:creationId xmlns:a16="http://schemas.microsoft.com/office/drawing/2014/main" id="{1519E8FD-72D2-2343-AA87-60B13EFE388B}"/>
-              </a:ext>
-            </a:extLst>
-          </p:cNvPr>
-          <p:cNvSpPr>
-            <a:spLocks noGrp="1"/>
-          </p:cNvSpPr>
-          <p:nvPr>
-            <p:ph type="title"/>
-          </p:nvPr>
-        </p:nvSpPr>
-        <p:spPr/>
-        <p:txBody>
-          <a:bodyPr/>
-          <a:lstStyle/>
-          <a:p>
-            <a:endParaRPr lang="en-US"/>
-          </a:p>
-        </p:txBody>
-      </p:sp>
-    </p:spTree>
-    <p:extLst>
-      <p:ext uri="{BB962C8B-B14F-4D97-AF65-F5344CB8AC3E}">
-        <p14:creationId xmlns:p14="http://schemas.microsoft.com/office/powerpoint/2010/main" val="1290153331"/>
-      </p:ext>
-    </p:extLst>
-  </p:cSld>
-  <p:clrMapOvr>
-    <a:masterClrMapping/>
-  </p:clrMapOvr>
-</p:sld>
-</file>
-
 <file path=ppt/slides/slide2.xml><?xml version="1.0" encoding="utf-8"?>
 <p:sld xmlns:a="http://schemas.openxmlformats.org/drawingml/2006/main" xmlns:r="http://schemas.openxmlformats.org/officeDocument/2006/relationships" xmlns:p="http://schemas.openxmlformats.org/presentationml/2006/main">
   <p:cSld>
@@ -3591,14 +3478,10 @@
           </a:bodyPr>
           <a:lstStyle/>
           <a:p>
-            <a:pPr marL="0" lvl="0" indent="0" algn="l" rtl="0">
-              <a:spcBef>
-                <a:spcPts val="0"/>
-              </a:spcBef>
+            <a:pPr marL="285750" indent="-285750">
               <a:spcAft>
                 <a:spcPts val="1600"/>
               </a:spcAft>
-              <a:buNone/>
             </a:pPr>
             <a:r>
               <a:rPr lang="en-AU" dirty="0"/>
@@ -3606,14 +3489,10 @@
             </a:r>
           </a:p>
           <a:p>
-            <a:pPr marL="0" lvl="0" indent="0" algn="l" rtl="0">
-              <a:spcBef>
-                <a:spcPts val="0"/>
-              </a:spcBef>
+            <a:pPr marL="285750" indent="-285750">
               <a:spcAft>
                 <a:spcPts val="1600"/>
               </a:spcAft>
-              <a:buNone/>
             </a:pPr>
             <a:r>
               <a:rPr lang="en-AU" dirty="0"/>
@@ -3832,7 +3711,7 @@
               <a:t>{$</a:t>
             </a:r>
             <a:r>
-              <a:rPr lang="en-US" dirty="0">
+              <a:rPr lang="en-US" dirty="0" err="1">
                 <a:solidFill>
                   <a:srgbClr val="FFC000"/>
                 </a:solidFill>
@@ -3840,8 +3719,8 @@
               <a:t>unwind</a:t>
             </a:r>
             <a:r>
-              <a:rPr lang="en-US" dirty="0"/>
-              <a:t>:{</a:t>
+              <a:rPr lang="en-US" dirty="0" err="1"/>
+              <a:t>:</a:t>
             </a:r>
             <a:r>
               <a:rPr lang="en-US" dirty="0" err="1">
@@ -3853,7 +3732,7 @@
             </a:r>
             <a:r>
               <a:rPr lang="en-US" dirty="0"/>
-              <a:t>}} </a:t>
+              <a:t>} </a:t>
             </a:r>
           </a:p>
         </p:txBody>
@@ -3872,92 +3751,6 @@
 </file>
 
 <file path=ppt/slides/slide4.xml><?xml version="1.0" encoding="utf-8"?>
-<p:sld xmlns:a="http://schemas.openxmlformats.org/drawingml/2006/main" xmlns:r="http://schemas.openxmlformats.org/officeDocument/2006/relationships" xmlns:p="http://schemas.openxmlformats.org/presentationml/2006/main">
-  <p:cSld>
-    <p:spTree>
-      <p:nvGrpSpPr>
-        <p:cNvPr id="1" name=""/>
-        <p:cNvGrpSpPr/>
-        <p:nvPr/>
-      </p:nvGrpSpPr>
-      <p:grpSpPr>
-        <a:xfrm>
-          <a:off x="0" y="0"/>
-          <a:ext cx="0" cy="0"/>
-          <a:chOff x="0" y="0"/>
-          <a:chExt cx="0" cy="0"/>
-        </a:xfrm>
-      </p:grpSpPr>
-      <p:sp>
-        <p:nvSpPr>
-          <p:cNvPr id="2" name="Title 1">
-            <a:extLst>
-              <a:ext uri="{FF2B5EF4-FFF2-40B4-BE49-F238E27FC236}">
-                <a16:creationId xmlns:a16="http://schemas.microsoft.com/office/drawing/2014/main" id="{73C4D71D-EE4D-1F42-A9EA-A8EEA75757E8}"/>
-              </a:ext>
-            </a:extLst>
-          </p:cNvPr>
-          <p:cNvSpPr>
-            <a:spLocks noGrp="1"/>
-          </p:cNvSpPr>
-          <p:nvPr>
-            <p:ph type="title"/>
-          </p:nvPr>
-        </p:nvSpPr>
-        <p:spPr/>
-        <p:txBody>
-          <a:bodyPr/>
-          <a:lstStyle/>
-          <a:p>
-            <a:r>
-              <a:rPr lang="en-US" dirty="0"/>
-              <a:t>High level syntax </a:t>
-            </a:r>
-          </a:p>
-        </p:txBody>
-      </p:sp>
-      <p:sp>
-        <p:nvSpPr>
-          <p:cNvPr id="3" name="Text Placeholder 2">
-            <a:extLst>
-              <a:ext uri="{FF2B5EF4-FFF2-40B4-BE49-F238E27FC236}">
-                <a16:creationId xmlns:a16="http://schemas.microsoft.com/office/drawing/2014/main" id="{40991B6D-D6AC-DA40-923E-EDAFB809F318}"/>
-              </a:ext>
-            </a:extLst>
-          </p:cNvPr>
-          <p:cNvSpPr>
-            <a:spLocks noGrp="1"/>
-          </p:cNvSpPr>
-          <p:nvPr>
-            <p:ph type="body" idx="1"/>
-          </p:nvPr>
-        </p:nvSpPr>
-        <p:spPr/>
-        <p:txBody>
-          <a:bodyPr/>
-          <a:lstStyle/>
-          <a:p>
-            <a:pPr marL="114300" indent="0">
-              <a:buNone/>
-            </a:pPr>
-            <a:endParaRPr lang="en-US" dirty="0"/>
-          </a:p>
-        </p:txBody>
-      </p:sp>
-    </p:spTree>
-    <p:extLst>
-      <p:ext uri="{BB962C8B-B14F-4D97-AF65-F5344CB8AC3E}">
-        <p14:creationId xmlns:p14="http://schemas.microsoft.com/office/powerpoint/2010/main" val="3117737590"/>
-      </p:ext>
-    </p:extLst>
-  </p:cSld>
-  <p:clrMapOvr>
-    <a:masterClrMapping/>
-  </p:clrMapOvr>
-</p:sld>
-</file>
-
-<file path=ppt/slides/slide5.xml><?xml version="1.0" encoding="utf-8"?>
 <p:sld xmlns:a="http://schemas.openxmlformats.org/drawingml/2006/main" xmlns:r="http://schemas.openxmlformats.org/officeDocument/2006/relationships" xmlns:p="http://schemas.openxmlformats.org/presentationml/2006/main">
   <p:cSld>
     <p:spTree>
@@ -4042,7 +3835,7 @@
 </p:sld>
 </file>
 
-<file path=ppt/slides/slide6.xml><?xml version="1.0" encoding="utf-8"?>
+<file path=ppt/slides/slide5.xml><?xml version="1.0" encoding="utf-8"?>
 <p:sld xmlns:a="http://schemas.openxmlformats.org/drawingml/2006/main" xmlns:r="http://schemas.openxmlformats.org/officeDocument/2006/relationships" xmlns:p="http://schemas.openxmlformats.org/presentationml/2006/main">
   <p:cSld>
     <p:spTree>
@@ -4127,7 +3920,7 @@
 </p:sld>
 </file>
 
-<file path=ppt/slides/slide7.xml><?xml version="1.0" encoding="utf-8"?>
+<file path=ppt/slides/slide6.xml><?xml version="1.0" encoding="utf-8"?>
 <p:sld xmlns:a="http://schemas.openxmlformats.org/drawingml/2006/main" xmlns:r="http://schemas.openxmlformats.org/officeDocument/2006/relationships" xmlns:p="http://schemas.openxmlformats.org/presentationml/2006/main">
   <p:cSld>
     <p:spTree>
@@ -4212,7 +4005,7 @@
 </p:sld>
 </file>
 
-<file path=ppt/slides/slide8.xml><?xml version="1.0" encoding="utf-8"?>
+<file path=ppt/slides/slide7.xml><?xml version="1.0" encoding="utf-8"?>
 <p:sld xmlns:a="http://schemas.openxmlformats.org/drawingml/2006/main" xmlns:r="http://schemas.openxmlformats.org/officeDocument/2006/relationships" xmlns:p="http://schemas.openxmlformats.org/presentationml/2006/main">
   <p:cSld>
     <p:spTree>
@@ -4575,7 +4368,7 @@
         </p:blipFill>
         <p:spPr>
           <a:xfrm>
-            <a:off x="0" y="288043"/>
+            <a:off x="0" y="576086"/>
             <a:ext cx="9144000" cy="4567414"/>
           </a:xfrm>
           <a:prstGeom prst="rect">
@@ -4596,7 +4389,7 @@
 </p:sld>
 </file>
 
-<file path=ppt/slides/slide9.xml><?xml version="1.0" encoding="utf-8"?>
+<file path=ppt/slides/slide8.xml><?xml version="1.0" encoding="utf-8"?>
 <p:sld xmlns:a="http://schemas.openxmlformats.org/drawingml/2006/main" xmlns:r="http://schemas.openxmlformats.org/officeDocument/2006/relationships" xmlns:p="http://schemas.openxmlformats.org/presentationml/2006/main">
   <p:cSld>
     <p:spTree>
